--- a/rel-unity-src/quest_link/quest_link.pptx
+++ b/rel-unity-src/quest_link/quest_link.pptx
@@ -8,6 +8,8 @@
     <p:sldId id="2986" r:id="rId2"/>
     <p:sldId id="2992" r:id="rId3"/>
     <p:sldId id="3008" r:id="rId4"/>
+    <p:sldId id="3009" r:id="rId5"/>
+    <p:sldId id="3010" r:id="rId6"/>
   </p:sldIdLst>
   <p:sldSz cx="12192000" cy="6858000"/>
   <p:notesSz cx="6858000" cy="9144000"/>
@@ -106,7 +108,307 @@
       </a:defRPr>
     </a:lvl9pPr>
   </p:defaultTextStyle>
+  <p:extLst>
+    <p:ext uri="{EFAFB233-063F-42B5-8137-9DF3F51BA10A}">
+      <p15:sldGuideLst xmlns:p15="http://schemas.microsoft.com/office/powerpoint/2012/main"/>
+    </p:ext>
+  </p:extLst>
 </p:presentation>
+</file>
+
+<file path=ppt/revisionInfo.xml><?xml version="1.0" encoding="utf-8"?>
+<p1510:revInfo xmlns:a="http://schemas.openxmlformats.org/drawingml/2006/main" xmlns:r="http://schemas.openxmlformats.org/officeDocument/2006/relationships" xmlns:p1510="http://schemas.microsoft.com/office/powerpoint/2015/10/main">
+  <p1510:revLst>
+    <p1510:client id="{9EDDB669-1F9C-42E3-8FB1-CE0E5E5F27DD}" v="14" dt="2022-11-10T18:51:36.560"/>
+  </p1510:revLst>
+</p1510:revInfo>
+</file>
+
+<file path=ppt/changesInfos/changesInfo1.xml><?xml version="1.0" encoding="utf-8"?>
+<pc:chgInfo xmlns:a="http://schemas.openxmlformats.org/drawingml/2006/main" xmlns:r="http://schemas.openxmlformats.org/officeDocument/2006/relationships" xmlns:ac="http://schemas.microsoft.com/office/drawing/2013/main/command" xmlns:pc="http://schemas.microsoft.com/office/powerpoint/2013/main/command">
+  <pc:docChgLst>
+    <pc:chgData name="Thomas O Fredericks" userId="9a40f032a9b16fc7" providerId="LiveId" clId="{9EDDB669-1F9C-42E3-8FB1-CE0E5E5F27DD}"/>
+    <pc:docChg chg="undo custSel addSld delSld modSld">
+      <pc:chgData name="Thomas O Fredericks" userId="9a40f032a9b16fc7" providerId="LiveId" clId="{9EDDB669-1F9C-42E3-8FB1-CE0E5E5F27DD}" dt="2022-11-10T18:52:13.610" v="60" actId="1076"/>
+      <pc:docMkLst>
+        <pc:docMk/>
+      </pc:docMkLst>
+      <pc:sldChg chg="addSp delSp modSp">
+        <pc:chgData name="Thomas O Fredericks" userId="9a40f032a9b16fc7" providerId="LiveId" clId="{9EDDB669-1F9C-42E3-8FB1-CE0E5E5F27DD}" dt="2022-11-10T18:51:46.503" v="47" actId="478"/>
+        <pc:sldMkLst>
+          <pc:docMk/>
+          <pc:sldMk cId="3612243300" sldId="2986"/>
+        </pc:sldMkLst>
+        <pc:spChg chg="del">
+          <ac:chgData name="Thomas O Fredericks" userId="9a40f032a9b16fc7" providerId="LiveId" clId="{9EDDB669-1F9C-42E3-8FB1-CE0E5E5F27DD}" dt="2022-11-10T18:50:33.858" v="26" actId="478"/>
+          <ac:spMkLst>
+            <pc:docMk/>
+            <pc:sldMk cId="3612243300" sldId="2986"/>
+            <ac:spMk id="2" creationId="{4BC6A579-71E4-4756-92B9-D91FF2A0206C}"/>
+          </ac:spMkLst>
+        </pc:spChg>
+        <pc:spChg chg="del">
+          <ac:chgData name="Thomas O Fredericks" userId="9a40f032a9b16fc7" providerId="LiveId" clId="{9EDDB669-1F9C-42E3-8FB1-CE0E5E5F27DD}" dt="2022-11-10T18:50:43.325" v="31"/>
+          <ac:spMkLst>
+            <pc:docMk/>
+            <pc:sldMk cId="3612243300" sldId="2986"/>
+            <ac:spMk id="6" creationId="{3A4259EC-B0C2-4BA8-B9E1-E08EFF882AE4}"/>
+          </ac:spMkLst>
+        </pc:spChg>
+        <pc:spChg chg="del">
+          <ac:chgData name="Thomas O Fredericks" userId="9a40f032a9b16fc7" providerId="LiveId" clId="{9EDDB669-1F9C-42E3-8FB1-CE0E5E5F27DD}" dt="2022-11-10T18:51:16.780" v="34" actId="478"/>
+          <ac:spMkLst>
+            <pc:docMk/>
+            <pc:sldMk cId="3612243300" sldId="2986"/>
+            <ac:spMk id="7" creationId="{EF7EFA03-5BC6-4052-9EE7-BE6F2D5C24BD}"/>
+          </ac:spMkLst>
+        </pc:spChg>
+        <pc:spChg chg="add del mod">
+          <ac:chgData name="Thomas O Fredericks" userId="9a40f032a9b16fc7" providerId="LiveId" clId="{9EDDB669-1F9C-42E3-8FB1-CE0E5E5F27DD}" dt="2022-11-10T18:50:35.185" v="27" actId="478"/>
+          <ac:spMkLst>
+            <pc:docMk/>
+            <pc:sldMk cId="3612243300" sldId="2986"/>
+            <ac:spMk id="8" creationId="{EAF09C38-454C-404A-BFB3-250E6DEA56A3}"/>
+          </ac:spMkLst>
+        </pc:spChg>
+        <pc:spChg chg="mod">
+          <ac:chgData name="Thomas O Fredericks" userId="9a40f032a9b16fc7" providerId="LiveId" clId="{9EDDB669-1F9C-42E3-8FB1-CE0E5E5F27DD}" dt="2022-11-10T18:51:36.560" v="41" actId="164"/>
+          <ac:spMkLst>
+            <pc:docMk/>
+            <pc:sldMk cId="3612243300" sldId="2986"/>
+            <ac:spMk id="10" creationId="{816AA5FF-F985-45C5-9F3E-272AA1879CB7}"/>
+          </ac:spMkLst>
+        </pc:spChg>
+        <pc:spChg chg="del mod">
+          <ac:chgData name="Thomas O Fredericks" userId="9a40f032a9b16fc7" providerId="LiveId" clId="{9EDDB669-1F9C-42E3-8FB1-CE0E5E5F27DD}" dt="2022-11-10T18:51:46.503" v="47" actId="478"/>
+          <ac:spMkLst>
+            <pc:docMk/>
+            <pc:sldMk cId="3612243300" sldId="2986"/>
+            <ac:spMk id="11" creationId="{321C5BF8-61AB-408E-B338-C80F9912BFFE}"/>
+          </ac:spMkLst>
+        </pc:spChg>
+        <pc:grpChg chg="add mod">
+          <ac:chgData name="Thomas O Fredericks" userId="9a40f032a9b16fc7" providerId="LiveId" clId="{9EDDB669-1F9C-42E3-8FB1-CE0E5E5F27DD}" dt="2022-11-10T18:51:43.303" v="45" actId="1076"/>
+          <ac:grpSpMkLst>
+            <pc:docMk/>
+            <pc:sldMk cId="3612243300" sldId="2986"/>
+            <ac:grpSpMk id="9" creationId="{26B894DA-B7A6-4544-9756-D8C228B68071}"/>
+          </ac:grpSpMkLst>
+        </pc:grpChg>
+        <pc:picChg chg="mod">
+          <ac:chgData name="Thomas O Fredericks" userId="9a40f032a9b16fc7" providerId="LiveId" clId="{9EDDB669-1F9C-42E3-8FB1-CE0E5E5F27DD}" dt="2022-11-10T18:51:36.560" v="41" actId="164"/>
+          <ac:picMkLst>
+            <pc:docMk/>
+            <pc:sldMk cId="3612243300" sldId="2986"/>
+            <ac:picMk id="4" creationId="{7941B989-7EDE-4139-84B9-D713F87EA1B8}"/>
+          </ac:picMkLst>
+        </pc:picChg>
+        <pc:picChg chg="del">
+          <ac:chgData name="Thomas O Fredericks" userId="9a40f032a9b16fc7" providerId="LiveId" clId="{9EDDB669-1F9C-42E3-8FB1-CE0E5E5F27DD}" dt="2022-11-10T18:50:43.325" v="31"/>
+          <ac:picMkLst>
+            <pc:docMk/>
+            <pc:sldMk cId="3612243300" sldId="2986"/>
+            <ac:picMk id="5" creationId="{7391DF02-D9ED-4BB5-998C-143EE4AB6060}"/>
+          </ac:picMkLst>
+        </pc:picChg>
+      </pc:sldChg>
+      <pc:sldChg chg="addSp delSp modSp">
+        <pc:chgData name="Thomas O Fredericks" userId="9a40f032a9b16fc7" providerId="LiveId" clId="{9EDDB669-1F9C-42E3-8FB1-CE0E5E5F27DD}" dt="2022-11-10T18:51:31.041" v="40" actId="14100"/>
+        <pc:sldMkLst>
+          <pc:docMk/>
+          <pc:sldMk cId="3747254103" sldId="2992"/>
+        </pc:sldMkLst>
+        <pc:spChg chg="del">
+          <ac:chgData name="Thomas O Fredericks" userId="9a40f032a9b16fc7" providerId="LiveId" clId="{9EDDB669-1F9C-42E3-8FB1-CE0E5E5F27DD}" dt="2022-11-10T18:50:01.236" v="22" actId="478"/>
+          <ac:spMkLst>
+            <pc:docMk/>
+            <pc:sldMk cId="3747254103" sldId="2992"/>
+            <ac:spMk id="2" creationId="{4BC6A579-71E4-4756-92B9-D91FF2A0206C}"/>
+          </ac:spMkLst>
+        </pc:spChg>
+        <pc:spChg chg="add del mod">
+          <ac:chgData name="Thomas O Fredericks" userId="9a40f032a9b16fc7" providerId="LiveId" clId="{9EDDB669-1F9C-42E3-8FB1-CE0E5E5F27DD}" dt="2022-11-10T18:50:02.974" v="23" actId="478"/>
+          <ac:spMkLst>
+            <pc:docMk/>
+            <pc:sldMk cId="3747254103" sldId="2992"/>
+            <ac:spMk id="4" creationId="{C374E662-1ACE-4473-981A-DF71DDCBD730}"/>
+          </ac:spMkLst>
+        </pc:spChg>
+        <pc:spChg chg="del mod">
+          <ac:chgData name="Thomas O Fredericks" userId="9a40f032a9b16fc7" providerId="LiveId" clId="{9EDDB669-1F9C-42E3-8FB1-CE0E5E5F27DD}" dt="2022-11-10T18:51:19.880" v="35" actId="478"/>
+          <ac:spMkLst>
+            <pc:docMk/>
+            <pc:sldMk cId="3747254103" sldId="2992"/>
+            <ac:spMk id="7" creationId="{EF7EFA03-5BC6-4052-9EE7-BE6F2D5C24BD}"/>
+          </ac:spMkLst>
+        </pc:spChg>
+        <pc:spChg chg="add del">
+          <ac:chgData name="Thomas O Fredericks" userId="9a40f032a9b16fc7" providerId="LiveId" clId="{9EDDB669-1F9C-42E3-8FB1-CE0E5E5F27DD}" dt="2022-11-10T18:48:19.493" v="9"/>
+          <ac:spMkLst>
+            <pc:docMk/>
+            <pc:sldMk cId="3747254103" sldId="2992"/>
+            <ac:spMk id="8" creationId="{8C3359E4-0089-4C95-9E3B-CFF88542B9CE}"/>
+          </ac:spMkLst>
+        </pc:spChg>
+        <pc:spChg chg="mod">
+          <ac:chgData name="Thomas O Fredericks" userId="9a40f032a9b16fc7" providerId="LiveId" clId="{9EDDB669-1F9C-42E3-8FB1-CE0E5E5F27DD}" dt="2022-11-10T18:51:24.989" v="37" actId="164"/>
+          <ac:spMkLst>
+            <pc:docMk/>
+            <pc:sldMk cId="3747254103" sldId="2992"/>
+            <ac:spMk id="14" creationId="{B8AFC522-3350-45B2-B254-46C3ECA37855}"/>
+          </ac:spMkLst>
+        </pc:spChg>
+        <pc:spChg chg="del">
+          <ac:chgData name="Thomas O Fredericks" userId="9a40f032a9b16fc7" providerId="LiveId" clId="{9EDDB669-1F9C-42E3-8FB1-CE0E5E5F27DD}" dt="2022-11-10T18:48:19.493" v="9"/>
+          <ac:spMkLst>
+            <pc:docMk/>
+            <pc:sldMk cId="3747254103" sldId="2992"/>
+            <ac:spMk id="17" creationId="{59CCAE2E-AA06-4F0B-8B0F-80E09DBBD0F2}"/>
+          </ac:spMkLst>
+        </pc:spChg>
+        <pc:grpChg chg="add mod">
+          <ac:chgData name="Thomas O Fredericks" userId="9a40f032a9b16fc7" providerId="LiveId" clId="{9EDDB669-1F9C-42E3-8FB1-CE0E5E5F27DD}" dt="2022-11-10T18:51:31.041" v="40" actId="14100"/>
+          <ac:grpSpMkLst>
+            <pc:docMk/>
+            <pc:sldMk cId="3747254103" sldId="2992"/>
+            <ac:grpSpMk id="5" creationId="{A30DFFCB-CEC2-4FF8-AF96-31C73A8DCD07}"/>
+          </ac:grpSpMkLst>
+        </pc:grpChg>
+        <pc:picChg chg="mod">
+          <ac:chgData name="Thomas O Fredericks" userId="9a40f032a9b16fc7" providerId="LiveId" clId="{9EDDB669-1F9C-42E3-8FB1-CE0E5E5F27DD}" dt="2022-11-10T18:51:24.989" v="37" actId="164"/>
+          <ac:picMkLst>
+            <pc:docMk/>
+            <pc:sldMk cId="3747254103" sldId="2992"/>
+            <ac:picMk id="11" creationId="{86B7AACA-4F62-4CA1-8471-E1C2C0E2E123}"/>
+          </ac:picMkLst>
+        </pc:picChg>
+        <pc:picChg chg="add del">
+          <ac:chgData name="Thomas O Fredericks" userId="9a40f032a9b16fc7" providerId="LiveId" clId="{9EDDB669-1F9C-42E3-8FB1-CE0E5E5F27DD}" dt="2022-11-10T18:48:19.493" v="9"/>
+          <ac:picMkLst>
+            <pc:docMk/>
+            <pc:sldMk cId="3747254103" sldId="2992"/>
+            <ac:picMk id="16" creationId="{1E457B16-8042-4A96-AB05-8B6217D41260}"/>
+          </ac:picMkLst>
+        </pc:picChg>
+      </pc:sldChg>
+      <pc:sldChg chg="modSp">
+        <pc:chgData name="Thomas O Fredericks" userId="9a40f032a9b16fc7" providerId="LiveId" clId="{9EDDB669-1F9C-42E3-8FB1-CE0E5E5F27DD}" dt="2022-11-10T18:48:05.126" v="5" actId="20577"/>
+        <pc:sldMkLst>
+          <pc:docMk/>
+          <pc:sldMk cId="3272990379" sldId="3008"/>
+        </pc:sldMkLst>
+        <pc:spChg chg="mod">
+          <ac:chgData name="Thomas O Fredericks" userId="9a40f032a9b16fc7" providerId="LiveId" clId="{9EDDB669-1F9C-42E3-8FB1-CE0E5E5F27DD}" dt="2022-11-10T18:48:05.126" v="5" actId="20577"/>
+          <ac:spMkLst>
+            <pc:docMk/>
+            <pc:sldMk cId="3272990379" sldId="3008"/>
+            <ac:spMk id="2" creationId="{98ED7FC5-5029-49DA-BBCD-AEBAD8FCF7F7}"/>
+          </ac:spMkLst>
+        </pc:spChg>
+      </pc:sldChg>
+      <pc:sldChg chg="addSp add del">
+        <pc:chgData name="Thomas O Fredericks" userId="9a40f032a9b16fc7" providerId="LiveId" clId="{9EDDB669-1F9C-42E3-8FB1-CE0E5E5F27DD}" dt="2022-11-10T18:48:24.790" v="11" actId="2696"/>
+        <pc:sldMkLst>
+          <pc:docMk/>
+          <pc:sldMk cId="2110790105" sldId="3009"/>
+        </pc:sldMkLst>
+        <pc:spChg chg="add">
+          <ac:chgData name="Thomas O Fredericks" userId="9a40f032a9b16fc7" providerId="LiveId" clId="{9EDDB669-1F9C-42E3-8FB1-CE0E5E5F27DD}" dt="2022-11-10T18:48:20.596" v="10"/>
+          <ac:spMkLst>
+            <pc:docMk/>
+            <pc:sldMk cId="2110790105" sldId="3009"/>
+            <ac:spMk id="5" creationId="{4B39774C-1C78-4AD5-8388-DA6709115B0D}"/>
+          </ac:spMkLst>
+        </pc:spChg>
+        <pc:spChg chg="add">
+          <ac:chgData name="Thomas O Fredericks" userId="9a40f032a9b16fc7" providerId="LiveId" clId="{9EDDB669-1F9C-42E3-8FB1-CE0E5E5F27DD}" dt="2022-11-10T18:48:20.596" v="10"/>
+          <ac:spMkLst>
+            <pc:docMk/>
+            <pc:sldMk cId="2110790105" sldId="3009"/>
+            <ac:spMk id="6" creationId="{2C4C915A-63F1-46B1-8687-085091F62303}"/>
+          </ac:spMkLst>
+        </pc:spChg>
+        <pc:picChg chg="add">
+          <ac:chgData name="Thomas O Fredericks" userId="9a40f032a9b16fc7" providerId="LiveId" clId="{9EDDB669-1F9C-42E3-8FB1-CE0E5E5F27DD}" dt="2022-11-10T18:48:20.596" v="10"/>
+          <ac:picMkLst>
+            <pc:docMk/>
+            <pc:sldMk cId="2110790105" sldId="3009"/>
+            <ac:picMk id="4" creationId="{B04539D1-5ACB-4DF6-887C-A410B4A9F331}"/>
+          </ac:picMkLst>
+        </pc:picChg>
+      </pc:sldChg>
+      <pc:sldChg chg="addSp delSp modSp add">
+        <pc:chgData name="Thomas O Fredericks" userId="9a40f032a9b16fc7" providerId="LiveId" clId="{9EDDB669-1F9C-42E3-8FB1-CE0E5E5F27DD}" dt="2022-11-10T18:51:59.514" v="52" actId="1076"/>
+        <pc:sldMkLst>
+          <pc:docMk/>
+          <pc:sldMk cId="3060609351" sldId="3009"/>
+        </pc:sldMkLst>
+        <pc:spChg chg="add del mod">
+          <ac:chgData name="Thomas O Fredericks" userId="9a40f032a9b16fc7" providerId="LiveId" clId="{9EDDB669-1F9C-42E3-8FB1-CE0E5E5F27DD}" dt="2022-11-10T18:51:52.516" v="49" actId="478"/>
+          <ac:spMkLst>
+            <pc:docMk/>
+            <pc:sldMk cId="3060609351" sldId="3009"/>
+            <ac:spMk id="3" creationId="{9EF2EEA5-0D9F-44D8-959C-6CFA96F5459D}"/>
+          </ac:spMkLst>
+        </pc:spChg>
+        <pc:spChg chg="add mod">
+          <ac:chgData name="Thomas O Fredericks" userId="9a40f032a9b16fc7" providerId="LiveId" clId="{9EDDB669-1F9C-42E3-8FB1-CE0E5E5F27DD}" dt="2022-11-10T18:48:32.283" v="14" actId="164"/>
+          <ac:spMkLst>
+            <pc:docMk/>
+            <pc:sldMk cId="3060609351" sldId="3009"/>
+            <ac:spMk id="4" creationId="{BA419951-85EC-4819-9E84-C2C6C67B3342}"/>
+          </ac:spMkLst>
+        </pc:spChg>
+        <pc:grpChg chg="add mod">
+          <ac:chgData name="Thomas O Fredericks" userId="9a40f032a9b16fc7" providerId="LiveId" clId="{9EDDB669-1F9C-42E3-8FB1-CE0E5E5F27DD}" dt="2022-11-10T18:51:59.514" v="52" actId="1076"/>
+          <ac:grpSpMkLst>
+            <pc:docMk/>
+            <pc:sldMk cId="3060609351" sldId="3009"/>
+            <ac:grpSpMk id="5" creationId="{FA2C50AB-E4CF-4875-90EB-145947317310}"/>
+          </ac:grpSpMkLst>
+        </pc:grpChg>
+        <pc:picChg chg="add mod">
+          <ac:chgData name="Thomas O Fredericks" userId="9a40f032a9b16fc7" providerId="LiveId" clId="{9EDDB669-1F9C-42E3-8FB1-CE0E5E5F27DD}" dt="2022-11-10T18:48:32.283" v="14" actId="164"/>
+          <ac:picMkLst>
+            <pc:docMk/>
+            <pc:sldMk cId="3060609351" sldId="3009"/>
+            <ac:picMk id="2" creationId="{76A9D953-2F0F-4E3A-AD8A-F48A85E0665A}"/>
+          </ac:picMkLst>
+        </pc:picChg>
+      </pc:sldChg>
+      <pc:sldChg chg="addSp delSp modSp add">
+        <pc:chgData name="Thomas O Fredericks" userId="9a40f032a9b16fc7" providerId="LiveId" clId="{9EDDB669-1F9C-42E3-8FB1-CE0E5E5F27DD}" dt="2022-11-10T18:52:13.610" v="60" actId="1076"/>
+        <pc:sldMkLst>
+          <pc:docMk/>
+          <pc:sldMk cId="3083168680" sldId="3010"/>
+        </pc:sldMkLst>
+        <pc:spChg chg="add del mod">
+          <ac:chgData name="Thomas O Fredericks" userId="9a40f032a9b16fc7" providerId="LiveId" clId="{9EDDB669-1F9C-42E3-8FB1-CE0E5E5F27DD}" dt="2022-11-10T18:52:07.140" v="55" actId="478"/>
+          <ac:spMkLst>
+            <pc:docMk/>
+            <pc:sldMk cId="3083168680" sldId="3010"/>
+            <ac:spMk id="3" creationId="{6BA59CB8-EE61-4FEA-99C9-EE825FB3ACF0}"/>
+          </ac:spMkLst>
+        </pc:spChg>
+        <pc:picChg chg="add mod">
+          <ac:chgData name="Thomas O Fredericks" userId="9a40f032a9b16fc7" providerId="LiveId" clId="{9EDDB669-1F9C-42E3-8FB1-CE0E5E5F27DD}" dt="2022-11-10T18:52:13.610" v="60" actId="1076"/>
+          <ac:picMkLst>
+            <pc:docMk/>
+            <pc:sldMk cId="3083168680" sldId="3010"/>
+            <ac:picMk id="2" creationId="{8AD2C0E6-1416-4730-9599-66C2CFE1F6A7}"/>
+          </ac:picMkLst>
+        </pc:picChg>
+      </pc:sldChg>
+      <pc:sldChg chg="add del">
+        <pc:chgData name="Thomas O Fredericks" userId="9a40f032a9b16fc7" providerId="LiveId" clId="{9EDDB669-1F9C-42E3-8FB1-CE0E5E5F27DD}" dt="2022-11-10T18:50:40.465" v="30" actId="2696"/>
+        <pc:sldMkLst>
+          <pc:docMk/>
+          <pc:sldMk cId="1781307134" sldId="3011"/>
+        </pc:sldMkLst>
+      </pc:sldChg>
+    </pc:docChg>
+  </pc:docChgLst>
+</pc:chgInfo>
 </file>
 
 <file path=ppt/slideLayouts/slideLayout1.xml><?xml version="1.0" encoding="utf-8"?>
@@ -258,7 +560,7 @@
           <a:p>
             <a:fld id="{C943DD3F-F287-4D6F-80A5-05957560377D}" type="datetimeFigureOut">
               <a:rPr lang="fr-CA" smtClean="0"/>
-              <a:t>2022-10-27</a:t>
+              <a:t>2022-11-10</a:t>
             </a:fld>
             <a:endParaRPr lang="fr-CA"/>
           </a:p>
@@ -458,7 +760,7 @@
           <a:p>
             <a:fld id="{C943DD3F-F287-4D6F-80A5-05957560377D}" type="datetimeFigureOut">
               <a:rPr lang="fr-CA" smtClean="0"/>
-              <a:t>2022-10-27</a:t>
+              <a:t>2022-11-10</a:t>
             </a:fld>
             <a:endParaRPr lang="fr-CA"/>
           </a:p>
@@ -668,7 +970,7 @@
           <a:p>
             <a:fld id="{C943DD3F-F287-4D6F-80A5-05957560377D}" type="datetimeFigureOut">
               <a:rPr lang="fr-CA" smtClean="0"/>
-              <a:t>2022-10-27</a:t>
+              <a:t>2022-11-10</a:t>
             </a:fld>
             <a:endParaRPr lang="fr-CA"/>
           </a:p>
@@ -1007,7 +1309,7 @@
           <a:p>
             <a:fld id="{C943DD3F-F287-4D6F-80A5-05957560377D}" type="datetimeFigureOut">
               <a:rPr lang="fr-CA" smtClean="0"/>
-              <a:t>2022-10-27</a:t>
+              <a:t>2022-11-10</a:t>
             </a:fld>
             <a:endParaRPr lang="fr-CA"/>
           </a:p>
@@ -1283,7 +1585,7 @@
           <a:p>
             <a:fld id="{C943DD3F-F287-4D6F-80A5-05957560377D}" type="datetimeFigureOut">
               <a:rPr lang="fr-CA" smtClean="0"/>
-              <a:t>2022-10-27</a:t>
+              <a:t>2022-11-10</a:t>
             </a:fld>
             <a:endParaRPr lang="fr-CA"/>
           </a:p>
@@ -1551,7 +1853,7 @@
           <a:p>
             <a:fld id="{C943DD3F-F287-4D6F-80A5-05957560377D}" type="datetimeFigureOut">
               <a:rPr lang="fr-CA" smtClean="0"/>
-              <a:t>2022-10-27</a:t>
+              <a:t>2022-11-10</a:t>
             </a:fld>
             <a:endParaRPr lang="fr-CA"/>
           </a:p>
@@ -1966,7 +2268,7 @@
           <a:p>
             <a:fld id="{C943DD3F-F287-4D6F-80A5-05957560377D}" type="datetimeFigureOut">
               <a:rPr lang="fr-CA" smtClean="0"/>
-              <a:t>2022-10-27</a:t>
+              <a:t>2022-11-10</a:t>
             </a:fld>
             <a:endParaRPr lang="fr-CA"/>
           </a:p>
@@ -2108,7 +2410,7 @@
           <a:p>
             <a:fld id="{C943DD3F-F287-4D6F-80A5-05957560377D}" type="datetimeFigureOut">
               <a:rPr lang="fr-CA" smtClean="0"/>
-              <a:t>2022-10-27</a:t>
+              <a:t>2022-11-10</a:t>
             </a:fld>
             <a:endParaRPr lang="fr-CA"/>
           </a:p>
@@ -2221,7 +2523,7 @@
           <a:p>
             <a:fld id="{C943DD3F-F287-4D6F-80A5-05957560377D}" type="datetimeFigureOut">
               <a:rPr lang="fr-CA" smtClean="0"/>
-              <a:t>2022-10-27</a:t>
+              <a:t>2022-11-10</a:t>
             </a:fld>
             <a:endParaRPr lang="fr-CA"/>
           </a:p>
@@ -2534,7 +2836,7 @@
           <a:p>
             <a:fld id="{C943DD3F-F287-4D6F-80A5-05957560377D}" type="datetimeFigureOut">
               <a:rPr lang="fr-CA" smtClean="0"/>
-              <a:t>2022-10-27</a:t>
+              <a:t>2022-11-10</a:t>
             </a:fld>
             <a:endParaRPr lang="fr-CA"/>
           </a:p>
@@ -2823,7 +3125,7 @@
           <a:p>
             <a:fld id="{C943DD3F-F287-4D6F-80A5-05957560377D}" type="datetimeFigureOut">
               <a:rPr lang="fr-CA" smtClean="0"/>
-              <a:t>2022-10-27</a:t>
+              <a:t>2022-11-10</a:t>
             </a:fld>
             <a:endParaRPr lang="fr-CA"/>
           </a:p>
@@ -3066,7 +3368,7 @@
           <a:p>
             <a:fld id="{C943DD3F-F287-4D6F-80A5-05957560377D}" type="datetimeFigureOut">
               <a:rPr lang="fr-CA" smtClean="0"/>
-              <a:t>2022-10-27</a:t>
+              <a:t>2022-11-10</a:t>
             </a:fld>
             <a:endParaRPr lang="fr-CA"/>
           </a:p>
@@ -3484,324 +3786,110 @@
           <a:chExt cx="0" cy="0"/>
         </a:xfrm>
       </p:grpSpPr>
-      <p:sp>
-        <p:nvSpPr>
-          <p:cNvPr id="2" name="Titre 1">
-            <a:extLst>
-              <a:ext uri="{FF2B5EF4-FFF2-40B4-BE49-F238E27FC236}">
-                <a16:creationId xmlns:a16="http://schemas.microsoft.com/office/drawing/2014/main" id="{4BC6A579-71E4-4756-92B9-D91FF2A0206C}"/>
-              </a:ext>
-            </a:extLst>
-          </p:cNvPr>
-          <p:cNvSpPr>
-            <a:spLocks noGrp="1"/>
-          </p:cNvSpPr>
-          <p:nvPr>
-            <p:ph type="title"/>
-          </p:nvPr>
-        </p:nvSpPr>
-        <p:spPr/>
-        <p:txBody>
-          <a:bodyPr>
-            <a:noAutofit/>
-          </a:bodyPr>
-          <a:lstStyle/>
-          <a:p>
-            <a:r>
-              <a:rPr lang="fr-CA" sz="2800" dirty="0"/>
-              <a:t>CONFIGURATION DE L’ORDINATEUR</a:t>
-            </a:r>
-          </a:p>
-        </p:txBody>
-      </p:sp>
-      <p:pic>
-        <p:nvPicPr>
-          <p:cNvPr id="4" name="Image 3">
-            <a:hlinkClick r:id="rId2"/>
-            <a:extLst>
-              <a:ext uri="{FF2B5EF4-FFF2-40B4-BE49-F238E27FC236}">
-                <a16:creationId xmlns:a16="http://schemas.microsoft.com/office/drawing/2014/main" id="{7941B989-7EDE-4139-84B9-D713F87EA1B8}"/>
-              </a:ext>
-            </a:extLst>
-          </p:cNvPr>
-          <p:cNvPicPr>
-            <a:picLocks noChangeAspect="1"/>
-          </p:cNvPicPr>
+      <p:grpSp>
+        <p:nvGrpSpPr>
+          <p:cNvPr id="9" name="Groupe 8">
+            <a:extLst>
+              <a:ext uri="{FF2B5EF4-FFF2-40B4-BE49-F238E27FC236}">
+                <a16:creationId xmlns:a16="http://schemas.microsoft.com/office/drawing/2014/main" id="{26B894DA-B7A6-4544-9756-D8C228B68071}"/>
+              </a:ext>
+            </a:extLst>
+          </p:cNvPr>
+          <p:cNvGrpSpPr/>
           <p:nvPr/>
-        </p:nvPicPr>
-        <p:blipFill>
-          <a:blip r:embed="rId3"/>
-          <a:stretch>
-            <a:fillRect/>
-          </a:stretch>
-        </p:blipFill>
-        <p:spPr>
+        </p:nvGrpSpPr>
+        <p:grpSpPr>
           <a:xfrm>
-            <a:off x="838200" y="2099735"/>
-            <a:ext cx="5168733" cy="2968049"/>
+            <a:off x="613756" y="-83126"/>
+            <a:ext cx="10698431" cy="6400627"/>
+            <a:chOff x="838200" y="2099735"/>
+            <a:chExt cx="5168733" cy="3092335"/>
           </a:xfrm>
-          <a:prstGeom prst="rect">
-            <a:avLst/>
-          </a:prstGeom>
-        </p:spPr>
-      </p:pic>
-      <p:pic>
-        <p:nvPicPr>
-          <p:cNvPr id="5" name="Image 4">
-            <a:extLst>
-              <a:ext uri="{FF2B5EF4-FFF2-40B4-BE49-F238E27FC236}">
-                <a16:creationId xmlns:a16="http://schemas.microsoft.com/office/drawing/2014/main" id="{7391DF02-D9ED-4BB5-998C-143EE4AB6060}"/>
-              </a:ext>
-            </a:extLst>
-          </p:cNvPr>
-          <p:cNvPicPr>
-            <a:picLocks noChangeAspect="1"/>
-          </p:cNvPicPr>
-          <p:nvPr/>
-        </p:nvPicPr>
-        <p:blipFill>
-          <a:blip r:embed="rId4"/>
-          <a:stretch>
-            <a:fillRect/>
-          </a:stretch>
-        </p:blipFill>
-        <p:spPr>
-          <a:xfrm>
-            <a:off x="6743700" y="2099735"/>
-            <a:ext cx="3895725" cy="2921794"/>
-          </a:xfrm>
-          <a:prstGeom prst="rect">
-            <a:avLst/>
-          </a:prstGeom>
-        </p:spPr>
-      </p:pic>
-      <p:sp>
-        <p:nvSpPr>
-          <p:cNvPr id="6" name="ZoneTexte 5">
-            <a:extLst>
-              <a:ext uri="{FF2B5EF4-FFF2-40B4-BE49-F238E27FC236}">
-                <a16:creationId xmlns:a16="http://schemas.microsoft.com/office/drawing/2014/main" id="{3A4259EC-B0C2-4BA8-B9E1-E08EFF882AE4}"/>
-              </a:ext>
-            </a:extLst>
-          </p:cNvPr>
-          <p:cNvSpPr txBox="1"/>
-          <p:nvPr/>
-        </p:nvSpPr>
-        <p:spPr>
-          <a:xfrm>
-            <a:off x="6672416" y="1549818"/>
-            <a:ext cx="4033684" cy="523220"/>
-          </a:xfrm>
-          <a:prstGeom prst="rect">
-            <a:avLst/>
-          </a:prstGeom>
-          <a:noFill/>
-        </p:spPr>
-        <p:txBody>
-          <a:bodyPr wrap="square" rtlCol="0" anchor="b">
-            <a:spAutoFit/>
-          </a:bodyPr>
-          <a:lstStyle/>
-          <a:p>
-            <a:pPr algn="l"/>
-            <a:r>
-              <a:rPr lang="fr-CA" sz="1400" b="0" spc="0" dirty="0">
-                <a:effectLst/>
-                <a:latin typeface="+mn-lt"/>
-                <a:ea typeface="Times New Roman" panose="02020603050405020304" pitchFamily="18" charset="0"/>
-                <a:cs typeface="Calibri Light" panose="020F0302020204030204" pitchFamily="34" charset="0"/>
-              </a:rPr>
-              <a:t>Branchez le casque </a:t>
-            </a:r>
-            <a:r>
-              <a:rPr lang="fr-CA" sz="1400" b="1" spc="0" dirty="0" err="1">
-                <a:effectLst/>
-                <a:latin typeface="+mn-lt"/>
-                <a:ea typeface="Times New Roman" panose="02020603050405020304" pitchFamily="18" charset="0"/>
-                <a:cs typeface="Calibri Light" panose="020F0302020204030204" pitchFamily="34" charset="0"/>
-              </a:rPr>
-              <a:t>Quest</a:t>
-            </a:r>
-            <a:r>
-              <a:rPr lang="fr-CA" sz="1400" b="0" spc="0" dirty="0">
-                <a:effectLst/>
-                <a:latin typeface="+mn-lt"/>
-                <a:ea typeface="Times New Roman" panose="02020603050405020304" pitchFamily="18" charset="0"/>
-                <a:cs typeface="Calibri Light" panose="020F0302020204030204" pitchFamily="34" charset="0"/>
-              </a:rPr>
-              <a:t> à l’ordinateur avec le câble USB et assurez-vous qu’il est reconnu par l’ordinateur</a:t>
-            </a:r>
-          </a:p>
-        </p:txBody>
-      </p:sp>
-      <p:sp>
-        <p:nvSpPr>
-          <p:cNvPr id="7" name="ZoneTexte 6">
-            <a:extLst>
-              <a:ext uri="{FF2B5EF4-FFF2-40B4-BE49-F238E27FC236}">
-                <a16:creationId xmlns:a16="http://schemas.microsoft.com/office/drawing/2014/main" id="{EF7EFA03-5BC6-4052-9EE7-BE6F2D5C24BD}"/>
-              </a:ext>
-            </a:extLst>
-          </p:cNvPr>
-          <p:cNvSpPr txBox="1"/>
-          <p:nvPr/>
-        </p:nvSpPr>
-        <p:spPr>
-          <a:xfrm>
-            <a:off x="771833" y="1756082"/>
-            <a:ext cx="5324167" cy="307777"/>
-          </a:xfrm>
-          <a:prstGeom prst="rect">
-            <a:avLst/>
-          </a:prstGeom>
-          <a:noFill/>
-        </p:spPr>
-        <p:txBody>
-          <a:bodyPr wrap="square" rtlCol="0" anchor="b">
-            <a:spAutoFit/>
-          </a:bodyPr>
-          <a:lstStyle/>
-          <a:p>
-            <a:r>
-              <a:rPr lang="fr-CA" sz="1400" b="0" spc="0" dirty="0">
-                <a:effectLst/>
-                <a:latin typeface="+mn-lt"/>
-                <a:ea typeface="Times New Roman" panose="02020603050405020304" pitchFamily="18" charset="0"/>
-                <a:cs typeface="Calibri Light" panose="020F0302020204030204" pitchFamily="34" charset="0"/>
-              </a:rPr>
-              <a:t>Téléchargez et installez le logiciel </a:t>
-            </a:r>
-            <a:r>
-              <a:rPr lang="fr-CA" sz="1400" b="1" spc="0" dirty="0">
-                <a:effectLst/>
-                <a:latin typeface="+mn-lt"/>
-                <a:ea typeface="Times New Roman" panose="02020603050405020304" pitchFamily="18" charset="0"/>
-                <a:cs typeface="Calibri Light" panose="020F0302020204030204" pitchFamily="34" charset="0"/>
-              </a:rPr>
-              <a:t>Oculus </a:t>
-            </a:r>
-            <a:r>
-              <a:rPr lang="fr-CA" sz="1400" dirty="0">
-                <a:hlinkClick r:id="rId2"/>
-              </a:rPr>
-              <a:t>https://www.oculus.com/setup/</a:t>
-            </a:r>
-            <a:r>
-              <a:rPr lang="fr-CA" sz="1400" b="0" spc="0" dirty="0">
-                <a:effectLst/>
-                <a:latin typeface="+mn-lt"/>
-                <a:ea typeface="Times New Roman" panose="02020603050405020304" pitchFamily="18" charset="0"/>
-                <a:cs typeface="Calibri Light" panose="020F0302020204030204" pitchFamily="34" charset="0"/>
-              </a:rPr>
-              <a:t>.</a:t>
-            </a:r>
-          </a:p>
-        </p:txBody>
-      </p:sp>
-      <p:sp>
-        <p:nvSpPr>
-          <p:cNvPr id="10" name="Flèche : bas 9">
-            <a:extLst>
-              <a:ext uri="{FF2B5EF4-FFF2-40B4-BE49-F238E27FC236}">
-                <a16:creationId xmlns:a16="http://schemas.microsoft.com/office/drawing/2014/main" id="{816AA5FF-F985-45C5-9F3E-272AA1879CB7}"/>
-              </a:ext>
-            </a:extLst>
-          </p:cNvPr>
-          <p:cNvSpPr/>
-          <p:nvPr/>
-        </p:nvSpPr>
-        <p:spPr>
-          <a:xfrm rot="5400000">
-            <a:off x="4590879" y="4411020"/>
-            <a:ext cx="733425" cy="828675"/>
-          </a:xfrm>
-          <a:prstGeom prst="downArrow">
-            <a:avLst/>
-          </a:prstGeom>
-          <a:solidFill>
-            <a:schemeClr val="accent2"/>
-          </a:solidFill>
-          <a:ln>
-            <a:noFill/>
-          </a:ln>
-        </p:spPr>
-        <p:style>
-          <a:lnRef idx="2">
-            <a:schemeClr val="accent1">
-              <a:shade val="50000"/>
-            </a:schemeClr>
-          </a:lnRef>
-          <a:fillRef idx="1">
-            <a:schemeClr val="accent1"/>
-          </a:fillRef>
-          <a:effectRef idx="0">
-            <a:schemeClr val="accent1"/>
-          </a:effectRef>
-          <a:fontRef idx="minor">
-            <a:schemeClr val="lt1"/>
-          </a:fontRef>
-        </p:style>
-        <p:txBody>
-          <a:bodyPr rtlCol="0" anchor="ctr"/>
-          <a:lstStyle/>
-          <a:p>
-            <a:pPr algn="ctr"/>
-            <a:endParaRPr lang="fr-CA"/>
-          </a:p>
-        </p:txBody>
-      </p:sp>
-      <p:sp>
-        <p:nvSpPr>
-          <p:cNvPr id="11" name="Flèche : bas 10">
-            <a:extLst>
-              <a:ext uri="{FF2B5EF4-FFF2-40B4-BE49-F238E27FC236}">
-                <a16:creationId xmlns:a16="http://schemas.microsoft.com/office/drawing/2014/main" id="{321C5BF8-61AB-408E-B338-C80F9912BFFE}"/>
-              </a:ext>
-            </a:extLst>
-          </p:cNvPr>
-          <p:cNvSpPr/>
-          <p:nvPr/>
-        </p:nvSpPr>
-        <p:spPr>
-          <a:xfrm rot="5400000">
-            <a:off x="4743279" y="4563420"/>
-            <a:ext cx="733425" cy="828675"/>
-          </a:xfrm>
-          <a:prstGeom prst="downArrow">
-            <a:avLst/>
-          </a:prstGeom>
-          <a:solidFill>
-            <a:schemeClr val="accent2"/>
-          </a:solidFill>
-          <a:ln>
-            <a:noFill/>
-          </a:ln>
-        </p:spPr>
-        <p:style>
-          <a:lnRef idx="2">
-            <a:schemeClr val="accent1">
-              <a:shade val="50000"/>
-            </a:schemeClr>
-          </a:lnRef>
-          <a:fillRef idx="1">
-            <a:schemeClr val="accent1"/>
-          </a:fillRef>
-          <a:effectRef idx="0">
-            <a:schemeClr val="accent1"/>
-          </a:effectRef>
-          <a:fontRef idx="minor">
-            <a:schemeClr val="lt1"/>
-          </a:fontRef>
-        </p:style>
-        <p:txBody>
-          <a:bodyPr rtlCol="0" anchor="ctr"/>
-          <a:lstStyle/>
-          <a:p>
-            <a:pPr algn="ctr"/>
-            <a:endParaRPr lang="fr-CA"/>
-          </a:p>
-        </p:txBody>
-      </p:sp>
+        </p:grpSpPr>
+        <p:pic>
+          <p:nvPicPr>
+            <p:cNvPr id="4" name="Image 3">
+              <a:hlinkClick r:id="rId2"/>
+              <a:extLst>
+                <a:ext uri="{FF2B5EF4-FFF2-40B4-BE49-F238E27FC236}">
+                  <a16:creationId xmlns:a16="http://schemas.microsoft.com/office/drawing/2014/main" id="{7941B989-7EDE-4139-84B9-D713F87EA1B8}"/>
+                </a:ext>
+              </a:extLst>
+            </p:cNvPr>
+            <p:cNvPicPr>
+              <a:picLocks noChangeAspect="1"/>
+            </p:cNvPicPr>
+            <p:nvPr/>
+          </p:nvPicPr>
+          <p:blipFill>
+            <a:blip r:embed="rId3"/>
+            <a:stretch>
+              <a:fillRect/>
+            </a:stretch>
+          </p:blipFill>
+          <p:spPr>
+            <a:xfrm>
+              <a:off x="838200" y="2099735"/>
+              <a:ext cx="5168733" cy="2968049"/>
+            </a:xfrm>
+            <a:prstGeom prst="rect">
+              <a:avLst/>
+            </a:prstGeom>
+          </p:spPr>
+        </p:pic>
+        <p:sp>
+          <p:nvSpPr>
+            <p:cNvPr id="10" name="Flèche : bas 9">
+              <a:extLst>
+                <a:ext uri="{FF2B5EF4-FFF2-40B4-BE49-F238E27FC236}">
+                  <a16:creationId xmlns:a16="http://schemas.microsoft.com/office/drawing/2014/main" id="{816AA5FF-F985-45C5-9F3E-272AA1879CB7}"/>
+                </a:ext>
+              </a:extLst>
+            </p:cNvPr>
+            <p:cNvSpPr/>
+            <p:nvPr/>
+          </p:nvSpPr>
+          <p:spPr>
+            <a:xfrm rot="5400000">
+              <a:off x="4590879" y="4411020"/>
+              <a:ext cx="733425" cy="828675"/>
+            </a:xfrm>
+            <a:prstGeom prst="downArrow">
+              <a:avLst/>
+            </a:prstGeom>
+            <a:solidFill>
+              <a:schemeClr val="accent2"/>
+            </a:solidFill>
+            <a:ln>
+              <a:noFill/>
+            </a:ln>
+          </p:spPr>
+          <p:style>
+            <a:lnRef idx="2">
+              <a:schemeClr val="accent1">
+                <a:shade val="50000"/>
+              </a:schemeClr>
+            </a:lnRef>
+            <a:fillRef idx="1">
+              <a:schemeClr val="accent1"/>
+            </a:fillRef>
+            <a:effectRef idx="0">
+              <a:schemeClr val="accent1"/>
+            </a:effectRef>
+            <a:fontRef idx="minor">
+              <a:schemeClr val="lt1"/>
+            </a:fontRef>
+          </p:style>
+          <p:txBody>
+            <a:bodyPr rtlCol="0" anchor="ctr"/>
+            <a:lstStyle/>
+            <a:p>
+              <a:pPr algn="ctr"/>
+              <a:endParaRPr lang="fr-CA"/>
+            </a:p>
+          </p:txBody>
+        </p:sp>
+      </p:grpSp>
     </p:spTree>
     <p:extLst>
       <p:ext uri="{BB962C8B-B14F-4D97-AF65-F5344CB8AC3E}">
@@ -3832,318 +3920,109 @@
           <a:chExt cx="0" cy="0"/>
         </a:xfrm>
       </p:grpSpPr>
-      <p:sp>
-        <p:nvSpPr>
-          <p:cNvPr id="2" name="Titre 1">
-            <a:extLst>
-              <a:ext uri="{FF2B5EF4-FFF2-40B4-BE49-F238E27FC236}">
-                <a16:creationId xmlns:a16="http://schemas.microsoft.com/office/drawing/2014/main" id="{4BC6A579-71E4-4756-92B9-D91FF2A0206C}"/>
-              </a:ext>
-            </a:extLst>
-          </p:cNvPr>
-          <p:cNvSpPr>
-            <a:spLocks noGrp="1"/>
-          </p:cNvSpPr>
-          <p:nvPr>
-            <p:ph type="title"/>
-          </p:nvPr>
-        </p:nvSpPr>
-        <p:spPr/>
-        <p:txBody>
-          <a:bodyPr>
-            <a:noAutofit/>
-          </a:bodyPr>
-          <a:lstStyle/>
-          <a:p>
-            <a:r>
-              <a:rPr lang="fr-CA" sz="2800" dirty="0"/>
-              <a:t>ACTIVATION DE LINK PASSER DU QUEST AU RIFT</a:t>
-            </a:r>
-          </a:p>
-        </p:txBody>
-      </p:sp>
-      <p:sp>
-        <p:nvSpPr>
-          <p:cNvPr id="7" name="ZoneTexte 6">
-            <a:extLst>
-              <a:ext uri="{FF2B5EF4-FFF2-40B4-BE49-F238E27FC236}">
-                <a16:creationId xmlns:a16="http://schemas.microsoft.com/office/drawing/2014/main" id="{EF7EFA03-5BC6-4052-9EE7-BE6F2D5C24BD}"/>
-              </a:ext>
-            </a:extLst>
-          </p:cNvPr>
-          <p:cNvSpPr txBox="1"/>
+      <p:grpSp>
+        <p:nvGrpSpPr>
+          <p:cNvPr id="5" name="Groupe 4">
+            <a:extLst>
+              <a:ext uri="{FF2B5EF4-FFF2-40B4-BE49-F238E27FC236}">
+                <a16:creationId xmlns:a16="http://schemas.microsoft.com/office/drawing/2014/main" id="{A30DFFCB-CEC2-4FF8-AF96-31C73A8DCD07}"/>
+              </a:ext>
+            </a:extLst>
+          </p:cNvPr>
+          <p:cNvGrpSpPr/>
           <p:nvPr/>
-        </p:nvSpPr>
-        <p:spPr>
+        </p:nvGrpSpPr>
+        <p:grpSpPr>
           <a:xfrm>
-            <a:off x="771833" y="1540639"/>
-            <a:ext cx="5076859" cy="523220"/>
+            <a:off x="0" y="1"/>
+            <a:ext cx="12172952" cy="6858000"/>
+            <a:chOff x="799289" y="3704798"/>
+            <a:chExt cx="5010492" cy="2822812"/>
           </a:xfrm>
-          <a:prstGeom prst="rect">
-            <a:avLst/>
-          </a:prstGeom>
-          <a:noFill/>
-        </p:spPr>
-        <p:txBody>
-          <a:bodyPr wrap="square" rtlCol="0" anchor="b">
-            <a:spAutoFit/>
-          </a:bodyPr>
-          <a:lstStyle/>
-          <a:p>
-            <a:pPr algn="l"/>
-            <a:r>
-              <a:rPr lang="fr-CA" sz="1400" dirty="0">
-                <a:ea typeface="Times New Roman" panose="02020603050405020304" pitchFamily="18" charset="0"/>
-                <a:cs typeface="Calibri Light" panose="020F0302020204030204" pitchFamily="34" charset="0"/>
-              </a:rPr>
-              <a:t>Mettez le casque et activez «Oculus Link». Vous serez alors transporté dans l’interface «</a:t>
-            </a:r>
-            <a:r>
-              <a:rPr lang="fr-CA" sz="1400" b="1" dirty="0">
-                <a:ea typeface="Times New Roman" panose="02020603050405020304" pitchFamily="18" charset="0"/>
-                <a:cs typeface="Calibri Light" panose="020F0302020204030204" pitchFamily="34" charset="0"/>
-              </a:rPr>
-              <a:t>Rift</a:t>
-            </a:r>
-            <a:r>
-              <a:rPr lang="fr-CA" sz="1400" dirty="0">
-                <a:ea typeface="Times New Roman" panose="02020603050405020304" pitchFamily="18" charset="0"/>
-                <a:cs typeface="Calibri Light" panose="020F0302020204030204" pitchFamily="34" charset="0"/>
-              </a:rPr>
-              <a:t>». </a:t>
-            </a:r>
-            <a:endParaRPr lang="fr-CA" sz="1400" b="0" spc="0" dirty="0">
-              <a:effectLst/>
-              <a:latin typeface="+mn-lt"/>
-              <a:ea typeface="Times New Roman" panose="02020603050405020304" pitchFamily="18" charset="0"/>
-              <a:cs typeface="Calibri Light" panose="020F0302020204030204" pitchFamily="34" charset="0"/>
-            </a:endParaRPr>
-          </a:p>
-        </p:txBody>
-      </p:sp>
-      <p:pic>
-        <p:nvPicPr>
-          <p:cNvPr id="11" name="Image 10" descr="Une image contenant intérieur, assis, table, moniteur&#10;&#10;Description générée automatiquement">
-            <a:extLst>
-              <a:ext uri="{FF2B5EF4-FFF2-40B4-BE49-F238E27FC236}">
-                <a16:creationId xmlns:a16="http://schemas.microsoft.com/office/drawing/2014/main" id="{86B7AACA-4F62-4CA1-8471-E1C2C0E2E123}"/>
-              </a:ext>
-            </a:extLst>
-          </p:cNvPr>
-          <p:cNvPicPr>
-            <a:picLocks noChangeAspect="1"/>
-          </p:cNvPicPr>
-          <p:nvPr/>
-        </p:nvPicPr>
-        <p:blipFill>
-          <a:blip r:embed="rId2"/>
-          <a:stretch>
-            <a:fillRect/>
-          </a:stretch>
-        </p:blipFill>
-        <p:spPr>
-          <a:xfrm>
-            <a:off x="838200" y="2099735"/>
-            <a:ext cx="5010492" cy="2822812"/>
-          </a:xfrm>
-          <a:prstGeom prst="rect">
-            <a:avLst/>
-          </a:prstGeom>
-        </p:spPr>
-      </p:pic>
-      <p:sp>
-        <p:nvSpPr>
-          <p:cNvPr id="14" name="Flèche : bas 13">
-            <a:extLst>
-              <a:ext uri="{FF2B5EF4-FFF2-40B4-BE49-F238E27FC236}">
-                <a16:creationId xmlns:a16="http://schemas.microsoft.com/office/drawing/2014/main" id="{B8AFC522-3350-45B2-B254-46C3ECA37855}"/>
-              </a:ext>
-            </a:extLst>
-          </p:cNvPr>
-          <p:cNvSpPr/>
-          <p:nvPr/>
-        </p:nvSpPr>
-        <p:spPr>
-          <a:xfrm rot="5400000">
-            <a:off x="4590879" y="3201345"/>
-            <a:ext cx="733425" cy="828675"/>
-          </a:xfrm>
-          <a:prstGeom prst="downArrow">
-            <a:avLst/>
-          </a:prstGeom>
-          <a:solidFill>
-            <a:schemeClr val="accent2"/>
-          </a:solidFill>
-          <a:ln>
-            <a:noFill/>
-          </a:ln>
-        </p:spPr>
-        <p:style>
-          <a:lnRef idx="2">
-            <a:schemeClr val="accent1">
-              <a:shade val="50000"/>
-            </a:schemeClr>
-          </a:lnRef>
-          <a:fillRef idx="1">
-            <a:schemeClr val="accent1"/>
-          </a:fillRef>
-          <a:effectRef idx="0">
-            <a:schemeClr val="accent1"/>
-          </a:effectRef>
-          <a:fontRef idx="minor">
-            <a:schemeClr val="lt1"/>
-          </a:fontRef>
-        </p:style>
-        <p:txBody>
-          <a:bodyPr rtlCol="0" anchor="ctr"/>
-          <a:lstStyle/>
-          <a:p>
-            <a:pPr algn="ctr"/>
-            <a:endParaRPr lang="fr-CA"/>
-          </a:p>
-        </p:txBody>
-      </p:sp>
-      <p:pic>
-        <p:nvPicPr>
-          <p:cNvPr id="16" name="Image 15">
-            <a:extLst>
-              <a:ext uri="{FF2B5EF4-FFF2-40B4-BE49-F238E27FC236}">
-                <a16:creationId xmlns:a16="http://schemas.microsoft.com/office/drawing/2014/main" id="{1E457B16-8042-4A96-AB05-8B6217D41260}"/>
-              </a:ext>
-            </a:extLst>
-          </p:cNvPr>
-          <p:cNvPicPr>
-            <a:picLocks noChangeAspect="1"/>
-          </p:cNvPicPr>
-          <p:nvPr/>
-        </p:nvPicPr>
-        <p:blipFill>
-          <a:blip r:embed="rId3"/>
-          <a:stretch>
-            <a:fillRect/>
-          </a:stretch>
-        </p:blipFill>
-        <p:spPr>
-          <a:xfrm>
-            <a:off x="6229349" y="2099735"/>
-            <a:ext cx="5010491" cy="2822812"/>
-          </a:xfrm>
-          <a:prstGeom prst="rect">
-            <a:avLst/>
-          </a:prstGeom>
-        </p:spPr>
-      </p:pic>
-      <p:sp>
-        <p:nvSpPr>
-          <p:cNvPr id="17" name="ZoneTexte 16">
-            <a:extLst>
-              <a:ext uri="{FF2B5EF4-FFF2-40B4-BE49-F238E27FC236}">
-                <a16:creationId xmlns:a16="http://schemas.microsoft.com/office/drawing/2014/main" id="{59CCAE2E-AA06-4F0B-8B0F-80E09DBBD0F2}"/>
-              </a:ext>
-            </a:extLst>
-          </p:cNvPr>
-          <p:cNvSpPr txBox="1"/>
-          <p:nvPr/>
-        </p:nvSpPr>
-        <p:spPr>
-          <a:xfrm>
-            <a:off x="6096000" y="1540639"/>
-            <a:ext cx="5076859" cy="523220"/>
-          </a:xfrm>
-          <a:prstGeom prst="rect">
-            <a:avLst/>
-          </a:prstGeom>
-          <a:noFill/>
-        </p:spPr>
-        <p:txBody>
-          <a:bodyPr wrap="square" rtlCol="0" anchor="b">
-            <a:spAutoFit/>
-          </a:bodyPr>
-          <a:lstStyle/>
-          <a:p>
-            <a:pPr algn="l"/>
-            <a:r>
-              <a:rPr lang="fr-CA" sz="1400" dirty="0">
-                <a:ea typeface="Times New Roman" panose="02020603050405020304" pitchFamily="18" charset="0"/>
-                <a:cs typeface="Calibri Light" panose="020F0302020204030204" pitchFamily="34" charset="0"/>
-              </a:rPr>
-              <a:t>Dans </a:t>
-            </a:r>
-            <a:r>
-              <a:rPr lang="fr-CA" sz="1400" b="1" dirty="0">
-                <a:ea typeface="Times New Roman" panose="02020603050405020304" pitchFamily="18" charset="0"/>
-                <a:cs typeface="Calibri Light" panose="020F0302020204030204" pitchFamily="34" charset="0"/>
-              </a:rPr>
-              <a:t>Rift</a:t>
-            </a:r>
-            <a:r>
-              <a:rPr lang="fr-CA" sz="1400" dirty="0">
-                <a:ea typeface="Times New Roman" panose="02020603050405020304" pitchFamily="18" charset="0"/>
-                <a:cs typeface="Calibri Light" panose="020F0302020204030204" pitchFamily="34" charset="0"/>
-              </a:rPr>
-              <a:t>, vous pouvez voir votre bureau en activant le bouton de «Bureau virtuel». </a:t>
-            </a:r>
-            <a:endParaRPr lang="fr-CA" sz="1400" b="0" spc="0" dirty="0">
-              <a:effectLst/>
-              <a:latin typeface="+mn-lt"/>
-              <a:ea typeface="Times New Roman" panose="02020603050405020304" pitchFamily="18" charset="0"/>
-              <a:cs typeface="Calibri Light" panose="020F0302020204030204" pitchFamily="34" charset="0"/>
-            </a:endParaRPr>
-          </a:p>
-        </p:txBody>
-      </p:sp>
-      <p:sp>
-        <p:nvSpPr>
-          <p:cNvPr id="8" name="Flèche : bas 7">
-            <a:extLst>
-              <a:ext uri="{FF2B5EF4-FFF2-40B4-BE49-F238E27FC236}">
-                <a16:creationId xmlns:a16="http://schemas.microsoft.com/office/drawing/2014/main" id="{8C3359E4-0089-4C95-9E3B-CFF88542B9CE}"/>
-              </a:ext>
-            </a:extLst>
-          </p:cNvPr>
-          <p:cNvSpPr/>
-          <p:nvPr/>
-        </p:nvSpPr>
-        <p:spPr>
-          <a:xfrm rot="12028069">
-            <a:off x="9015712" y="4393437"/>
-            <a:ext cx="246705" cy="828675"/>
-          </a:xfrm>
-          <a:prstGeom prst="downArrow">
-            <a:avLst/>
-          </a:prstGeom>
-          <a:solidFill>
-            <a:schemeClr val="accent2"/>
-          </a:solidFill>
-          <a:ln>
-            <a:noFill/>
-          </a:ln>
-        </p:spPr>
-        <p:style>
-          <a:lnRef idx="2">
-            <a:schemeClr val="accent1">
-              <a:shade val="50000"/>
-            </a:schemeClr>
-          </a:lnRef>
-          <a:fillRef idx="1">
-            <a:schemeClr val="accent1"/>
-          </a:fillRef>
-          <a:effectRef idx="0">
-            <a:schemeClr val="accent1"/>
-          </a:effectRef>
-          <a:fontRef idx="minor">
-            <a:schemeClr val="lt1"/>
-          </a:fontRef>
-        </p:style>
-        <p:txBody>
-          <a:bodyPr rtlCol="0" anchor="ctr"/>
-          <a:lstStyle/>
-          <a:p>
-            <a:pPr algn="ctr"/>
-            <a:endParaRPr lang="fr-CA"/>
-          </a:p>
-        </p:txBody>
-      </p:sp>
+        </p:grpSpPr>
+        <p:pic>
+          <p:nvPicPr>
+            <p:cNvPr id="11" name="Image 10" descr="Une image contenant intérieur, assis, table, moniteur&#10;&#10;Description générée automatiquement">
+              <a:extLst>
+                <a:ext uri="{FF2B5EF4-FFF2-40B4-BE49-F238E27FC236}">
+                  <a16:creationId xmlns:a16="http://schemas.microsoft.com/office/drawing/2014/main" id="{86B7AACA-4F62-4CA1-8471-E1C2C0E2E123}"/>
+                </a:ext>
+              </a:extLst>
+            </p:cNvPr>
+            <p:cNvPicPr>
+              <a:picLocks noChangeAspect="1"/>
+            </p:cNvPicPr>
+            <p:nvPr/>
+          </p:nvPicPr>
+          <p:blipFill>
+            <a:blip r:embed="rId2"/>
+            <a:stretch>
+              <a:fillRect/>
+            </a:stretch>
+          </p:blipFill>
+          <p:spPr>
+            <a:xfrm>
+              <a:off x="799289" y="3704798"/>
+              <a:ext cx="5010492" cy="2822812"/>
+            </a:xfrm>
+            <a:prstGeom prst="rect">
+              <a:avLst/>
+            </a:prstGeom>
+          </p:spPr>
+        </p:pic>
+        <p:sp>
+          <p:nvSpPr>
+            <p:cNvPr id="14" name="Flèche : bas 13">
+              <a:extLst>
+                <a:ext uri="{FF2B5EF4-FFF2-40B4-BE49-F238E27FC236}">
+                  <a16:creationId xmlns:a16="http://schemas.microsoft.com/office/drawing/2014/main" id="{B8AFC522-3350-45B2-B254-46C3ECA37855}"/>
+                </a:ext>
+              </a:extLst>
+            </p:cNvPr>
+            <p:cNvSpPr/>
+            <p:nvPr/>
+          </p:nvSpPr>
+          <p:spPr>
+            <a:xfrm rot="5400000">
+              <a:off x="4551968" y="4806408"/>
+              <a:ext cx="733425" cy="828675"/>
+            </a:xfrm>
+            <a:prstGeom prst="downArrow">
+              <a:avLst/>
+            </a:prstGeom>
+            <a:solidFill>
+              <a:schemeClr val="accent2"/>
+            </a:solidFill>
+            <a:ln>
+              <a:noFill/>
+            </a:ln>
+          </p:spPr>
+          <p:style>
+            <a:lnRef idx="2">
+              <a:schemeClr val="accent1">
+                <a:shade val="50000"/>
+              </a:schemeClr>
+            </a:lnRef>
+            <a:fillRef idx="1">
+              <a:schemeClr val="accent1"/>
+            </a:fillRef>
+            <a:effectRef idx="0">
+              <a:schemeClr val="accent1"/>
+            </a:effectRef>
+            <a:fontRef idx="minor">
+              <a:schemeClr val="lt1"/>
+            </a:fontRef>
+          </p:style>
+          <p:txBody>
+            <a:bodyPr rtlCol="0" anchor="ctr"/>
+            <a:lstStyle/>
+            <a:p>
+              <a:pPr algn="ctr"/>
+              <a:endParaRPr lang="fr-CA"/>
+            </a:p>
+          </p:txBody>
+        </p:sp>
+      </p:grpSp>
     </p:spTree>
     <p:extLst>
       <p:ext uri="{BB962C8B-B14F-4D97-AF65-F5344CB8AC3E}">
@@ -4198,7 +4077,7 @@
         </p:spPr>
         <p:txBody>
           <a:bodyPr>
-            <a:normAutofit/>
+            <a:normAutofit fontScale="90000"/>
           </a:bodyPr>
           <a:lstStyle/>
           <a:p>
@@ -4249,7 +4128,7 @@
                   <a:schemeClr val="accent1"/>
                 </a:solidFill>
               </a:rPr>
-              <a:t>LINK</a:t>
+              <a:t>LINK/RIFT</a:t>
             </a:r>
             <a:r>
               <a:rPr lang="fr-CA" spc="0" dirty="0">
@@ -4266,6 +4145,199 @@
     <p:extLst>
       <p:ext uri="{BB962C8B-B14F-4D97-AF65-F5344CB8AC3E}">
         <p14:creationId xmlns:p14="http://schemas.microsoft.com/office/powerpoint/2010/main" val="3272990379"/>
+      </p:ext>
+    </p:extLst>
+  </p:cSld>
+  <p:clrMapOvr>
+    <a:masterClrMapping/>
+  </p:clrMapOvr>
+</p:sld>
+</file>
+
+<file path=ppt/slides/slide4.xml><?xml version="1.0" encoding="utf-8"?>
+<p:sld xmlns:a="http://schemas.openxmlformats.org/drawingml/2006/main" xmlns:r="http://schemas.openxmlformats.org/officeDocument/2006/relationships" xmlns:p="http://schemas.openxmlformats.org/presentationml/2006/main">
+  <p:cSld>
+    <p:spTree>
+      <p:nvGrpSpPr>
+        <p:cNvPr id="1" name=""/>
+        <p:cNvGrpSpPr/>
+        <p:nvPr/>
+      </p:nvGrpSpPr>
+      <p:grpSpPr>
+        <a:xfrm>
+          <a:off x="0" y="0"/>
+          <a:ext cx="0" cy="0"/>
+          <a:chOff x="0" y="0"/>
+          <a:chExt cx="0" cy="0"/>
+        </a:xfrm>
+      </p:grpSpPr>
+      <p:grpSp>
+        <p:nvGrpSpPr>
+          <p:cNvPr id="5" name="Groupe 4">
+            <a:extLst>
+              <a:ext uri="{FF2B5EF4-FFF2-40B4-BE49-F238E27FC236}">
+                <a16:creationId xmlns:a16="http://schemas.microsoft.com/office/drawing/2014/main" id="{FA2C50AB-E4CF-4875-90EB-145947317310}"/>
+              </a:ext>
+            </a:extLst>
+          </p:cNvPr>
+          <p:cNvGrpSpPr/>
+          <p:nvPr/>
+        </p:nvGrpSpPr>
+        <p:grpSpPr>
+          <a:xfrm>
+            <a:off x="463026" y="166255"/>
+            <a:ext cx="10738271" cy="6691745"/>
+            <a:chOff x="6229349" y="2099735"/>
+            <a:chExt cx="5010491" cy="3122377"/>
+          </a:xfrm>
+        </p:grpSpPr>
+        <p:pic>
+          <p:nvPicPr>
+            <p:cNvPr id="2" name="Image 1">
+              <a:extLst>
+                <a:ext uri="{FF2B5EF4-FFF2-40B4-BE49-F238E27FC236}">
+                  <a16:creationId xmlns:a16="http://schemas.microsoft.com/office/drawing/2014/main" id="{76A9D953-2F0F-4E3A-AD8A-F48A85E0665A}"/>
+                </a:ext>
+              </a:extLst>
+            </p:cNvPr>
+            <p:cNvPicPr>
+              <a:picLocks noChangeAspect="1"/>
+            </p:cNvPicPr>
+            <p:nvPr/>
+          </p:nvPicPr>
+          <p:blipFill>
+            <a:blip r:embed="rId2"/>
+            <a:stretch>
+              <a:fillRect/>
+            </a:stretch>
+          </p:blipFill>
+          <p:spPr>
+            <a:xfrm>
+              <a:off x="6229349" y="2099735"/>
+              <a:ext cx="5010491" cy="2822812"/>
+            </a:xfrm>
+            <a:prstGeom prst="rect">
+              <a:avLst/>
+            </a:prstGeom>
+          </p:spPr>
+        </p:pic>
+        <p:sp>
+          <p:nvSpPr>
+            <p:cNvPr id="4" name="Flèche : bas 3">
+              <a:extLst>
+                <a:ext uri="{FF2B5EF4-FFF2-40B4-BE49-F238E27FC236}">
+                  <a16:creationId xmlns:a16="http://schemas.microsoft.com/office/drawing/2014/main" id="{BA419951-85EC-4819-9E84-C2C6C67B3342}"/>
+                </a:ext>
+              </a:extLst>
+            </p:cNvPr>
+            <p:cNvSpPr/>
+            <p:nvPr/>
+          </p:nvSpPr>
+          <p:spPr>
+            <a:xfrm rot="12028069">
+              <a:off x="9015712" y="4393437"/>
+              <a:ext cx="246705" cy="828675"/>
+            </a:xfrm>
+            <a:prstGeom prst="downArrow">
+              <a:avLst/>
+            </a:prstGeom>
+            <a:solidFill>
+              <a:schemeClr val="accent2"/>
+            </a:solidFill>
+            <a:ln>
+              <a:noFill/>
+            </a:ln>
+          </p:spPr>
+          <p:style>
+            <a:lnRef idx="2">
+              <a:schemeClr val="accent1">
+                <a:shade val="50000"/>
+              </a:schemeClr>
+            </a:lnRef>
+            <a:fillRef idx="1">
+              <a:schemeClr val="accent1"/>
+            </a:fillRef>
+            <a:effectRef idx="0">
+              <a:schemeClr val="accent1"/>
+            </a:effectRef>
+            <a:fontRef idx="minor">
+              <a:schemeClr val="lt1"/>
+            </a:fontRef>
+          </p:style>
+          <p:txBody>
+            <a:bodyPr rtlCol="0" anchor="ctr"/>
+            <a:lstStyle/>
+            <a:p>
+              <a:pPr algn="ctr"/>
+              <a:endParaRPr lang="fr-CA"/>
+            </a:p>
+          </p:txBody>
+        </p:sp>
+      </p:grpSp>
+    </p:spTree>
+    <p:extLst>
+      <p:ext uri="{BB962C8B-B14F-4D97-AF65-F5344CB8AC3E}">
+        <p14:creationId xmlns:p14="http://schemas.microsoft.com/office/powerpoint/2010/main" val="3060609351"/>
+      </p:ext>
+    </p:extLst>
+  </p:cSld>
+  <p:clrMapOvr>
+    <a:masterClrMapping/>
+  </p:clrMapOvr>
+</p:sld>
+</file>
+
+<file path=ppt/slides/slide5.xml><?xml version="1.0" encoding="utf-8"?>
+<p:sld xmlns:a="http://schemas.openxmlformats.org/drawingml/2006/main" xmlns:r="http://schemas.openxmlformats.org/officeDocument/2006/relationships" xmlns:p="http://schemas.openxmlformats.org/presentationml/2006/main">
+  <p:cSld>
+    <p:spTree>
+      <p:nvGrpSpPr>
+        <p:cNvPr id="1" name=""/>
+        <p:cNvGrpSpPr/>
+        <p:nvPr/>
+      </p:nvGrpSpPr>
+      <p:grpSpPr>
+        <a:xfrm>
+          <a:off x="0" y="0"/>
+          <a:ext cx="0" cy="0"/>
+          <a:chOff x="0" y="0"/>
+          <a:chExt cx="0" cy="0"/>
+        </a:xfrm>
+      </p:grpSpPr>
+      <p:pic>
+        <p:nvPicPr>
+          <p:cNvPr id="2" name="Image 1">
+            <a:extLst>
+              <a:ext uri="{FF2B5EF4-FFF2-40B4-BE49-F238E27FC236}">
+                <a16:creationId xmlns:a16="http://schemas.microsoft.com/office/drawing/2014/main" id="{8AD2C0E6-1416-4730-9599-66C2CFE1F6A7}"/>
+              </a:ext>
+            </a:extLst>
+          </p:cNvPr>
+          <p:cNvPicPr>
+            <a:picLocks noChangeAspect="1"/>
+          </p:cNvPicPr>
+          <p:nvPr/>
+        </p:nvPicPr>
+        <p:blipFill>
+          <a:blip r:embed="rId2"/>
+          <a:stretch>
+            <a:fillRect/>
+          </a:stretch>
+        </p:blipFill>
+        <p:spPr>
+          <a:xfrm>
+            <a:off x="1180408" y="2143"/>
+            <a:ext cx="9141142" cy="6855857"/>
+          </a:xfrm>
+          <a:prstGeom prst="rect">
+            <a:avLst/>
+          </a:prstGeom>
+        </p:spPr>
+      </p:pic>
+    </p:spTree>
+    <p:extLst>
+      <p:ext uri="{BB962C8B-B14F-4D97-AF65-F5344CB8AC3E}">
+        <p14:creationId xmlns:p14="http://schemas.microsoft.com/office/powerpoint/2010/main" val="3083168680"/>
       </p:ext>
     </p:extLst>
   </p:cSld>
